--- a/assignments/neblitt/week-05-presentation/WhatTheNewsMediaCanLearnFromLibraries-v1.0.pptx
+++ b/assignments/neblitt/week-05-presentation/WhatTheNewsMediaCanLearnFromLibraries-v1.0.pptx
@@ -152,7 +152,7 @@
   <pc:docChgLst>
     <pc:chgData name="Valentina Neblitt-Jones" userId="ec1c26d2-1245-4e8c-b17b-701b1932701b" providerId="ADAL" clId="{D0B7E6D6-8445-564C-906F-29E634CB72BA}"/>
     <pc:docChg chg="undo custSel addSld delSld modSld sldOrd">
-      <pc:chgData name="Valentina Neblitt-Jones" userId="ec1c26d2-1245-4e8c-b17b-701b1932701b" providerId="ADAL" clId="{D0B7E6D6-8445-564C-906F-29E634CB72BA}" dt="2020-09-30T22:42:20.909" v="10828" actId="13926"/>
+      <pc:chgData name="Valentina Neblitt-Jones" userId="ec1c26d2-1245-4e8c-b17b-701b1932701b" providerId="ADAL" clId="{D0B7E6D6-8445-564C-906F-29E634CB72BA}" dt="2020-10-01T13:51:14.156" v="10831" actId="6549"/>
       <pc:docMkLst>
         <pc:docMk/>
       </pc:docMkLst>
@@ -554,7 +554,7 @@
         </pc:picChg>
       </pc:sldChg>
       <pc:sldChg chg="addSp modSp add mod modNotesTx">
-        <pc:chgData name="Valentina Neblitt-Jones" userId="ec1c26d2-1245-4e8c-b17b-701b1932701b" providerId="ADAL" clId="{D0B7E6D6-8445-564C-906F-29E634CB72BA}" dt="2020-09-28T13:17:21.765" v="9884" actId="20577"/>
+        <pc:chgData name="Valentina Neblitt-Jones" userId="ec1c26d2-1245-4e8c-b17b-701b1932701b" providerId="ADAL" clId="{D0B7E6D6-8445-564C-906F-29E634CB72BA}" dt="2020-10-01T13:51:14.156" v="10831" actId="6549"/>
         <pc:sldMkLst>
           <pc:docMk/>
           <pc:sldMk cId="1652414641" sldId="267"/>
@@ -585,7 +585,7 @@
         </pc:spChg>
       </pc:sldChg>
       <pc:sldChg chg="addSp delSp modSp add mod modNotesTx">
-        <pc:chgData name="Valentina Neblitt-Jones" userId="ec1c26d2-1245-4e8c-b17b-701b1932701b" providerId="ADAL" clId="{D0B7E6D6-8445-564C-906F-29E634CB72BA}" dt="2020-09-28T12:35:10.508" v="7852" actId="1076"/>
+        <pc:chgData name="Valentina Neblitt-Jones" userId="ec1c26d2-1245-4e8c-b17b-701b1932701b" providerId="ADAL" clId="{D0B7E6D6-8445-564C-906F-29E634CB72BA}" dt="2020-10-01T13:51:10.461" v="10830" actId="6549"/>
         <pc:sldMkLst>
           <pc:docMk/>
           <pc:sldMk cId="3376950130" sldId="268"/>
@@ -754,7 +754,7 @@
         </pc:sldMkLst>
       </pc:sldChg>
       <pc:sldChg chg="addSp modSp add mod modNotesTx">
-        <pc:chgData name="Valentina Neblitt-Jones" userId="ec1c26d2-1245-4e8c-b17b-701b1932701b" providerId="ADAL" clId="{D0B7E6D6-8445-564C-906F-29E634CB72BA}" dt="2020-09-30T21:37:24.894" v="10827" actId="20577"/>
+        <pc:chgData name="Valentina Neblitt-Jones" userId="ec1c26d2-1245-4e8c-b17b-701b1932701b" providerId="ADAL" clId="{D0B7E6D6-8445-564C-906F-29E634CB72BA}" dt="2020-10-01T13:51:02.556" v="10829" actId="6549"/>
         <pc:sldMkLst>
           <pc:docMk/>
           <pc:sldMk cId="4252198020" sldId="274"/>
@@ -4613,7 +4613,7 @@
           <a:p>
             <a:fld id="{A502455C-2208-5A48-8F33-B5C900277DF1}" type="datetimeFigureOut">
               <a:rPr lang="en-US" smtClean="0"/>
-              <a:t>9/30/20</a:t>
+              <a:t>10/1/20</a:t>
             </a:fld>
             <a:endParaRPr lang="en-US"/>
           </a:p>
@@ -5008,10 +5008,7 @@
           <a:bodyPr/>
           <a:lstStyle/>
           <a:p>
-            <a:r>
-              <a:rPr lang="en-US" dirty="0"/>
-              <a:t>What Sherry Turkle has to say about her students and the news media is matches some points of this Pew research report.</a:t>
-            </a:r>
+            <a:endParaRPr lang="en-US" dirty="0"/>
           </a:p>
         </p:txBody>
       </p:sp>
@@ -5042,6 +5039,90 @@
     <p:extLst>
       <p:ext uri="{BB962C8B-B14F-4D97-AF65-F5344CB8AC3E}">
         <p14:creationId xmlns:p14="http://schemas.microsoft.com/office/powerpoint/2010/main" val="977042460"/>
+      </p:ext>
+    </p:extLst>
+  </p:cSld>
+  <p:clrMapOvr>
+    <a:masterClrMapping/>
+  </p:clrMapOvr>
+</p:notes>
+</file>
+
+<file path=ppt/notesSlides/notesSlide11.xml><?xml version="1.0" encoding="utf-8"?>
+<p:notes xmlns:a="http://schemas.openxmlformats.org/drawingml/2006/main" xmlns:r="http://schemas.openxmlformats.org/officeDocument/2006/relationships" xmlns:p="http://schemas.openxmlformats.org/presentationml/2006/main">
+  <p:cSld>
+    <p:spTree>
+      <p:nvGrpSpPr>
+        <p:cNvPr id="1" name=""/>
+        <p:cNvGrpSpPr/>
+        <p:nvPr/>
+      </p:nvGrpSpPr>
+      <p:grpSpPr>
+        <a:xfrm>
+          <a:off x="0" y="0"/>
+          <a:ext cx="0" cy="0"/>
+          <a:chOff x="0" y="0"/>
+          <a:chExt cx="0" cy="0"/>
+        </a:xfrm>
+      </p:grpSpPr>
+      <p:sp>
+        <p:nvSpPr>
+          <p:cNvPr id="2" name="Slide Image Placeholder 1"/>
+          <p:cNvSpPr>
+            <a:spLocks noGrp="1" noRot="1" noChangeAspect="1"/>
+          </p:cNvSpPr>
+          <p:nvPr>
+            <p:ph type="sldImg"/>
+          </p:nvPr>
+        </p:nvSpPr>
+        <p:spPr/>
+      </p:sp>
+      <p:sp>
+        <p:nvSpPr>
+          <p:cNvPr id="3" name="Notes Placeholder 2"/>
+          <p:cNvSpPr>
+            <a:spLocks noGrp="1"/>
+          </p:cNvSpPr>
+          <p:nvPr>
+            <p:ph type="body" idx="1"/>
+          </p:nvPr>
+        </p:nvSpPr>
+        <p:spPr/>
+        <p:txBody>
+          <a:bodyPr/>
+          <a:lstStyle/>
+          <a:p>
+            <a:endParaRPr lang="en-US" dirty="0"/>
+          </a:p>
+        </p:txBody>
+      </p:sp>
+      <p:sp>
+        <p:nvSpPr>
+          <p:cNvPr id="4" name="Slide Number Placeholder 3"/>
+          <p:cNvSpPr>
+            <a:spLocks noGrp="1"/>
+          </p:cNvSpPr>
+          <p:nvPr>
+            <p:ph type="sldNum" sz="quarter" idx="5"/>
+          </p:nvPr>
+        </p:nvSpPr>
+        <p:spPr/>
+        <p:txBody>
+          <a:bodyPr/>
+          <a:lstStyle/>
+          <a:p>
+            <a:fld id="{8AC0400F-6E8F-404C-A7CC-F84B827DE238}" type="slidenum">
+              <a:rPr lang="en-US" smtClean="0"/>
+              <a:t>20</a:t>
+            </a:fld>
+            <a:endParaRPr lang="en-US"/>
+          </a:p>
+        </p:txBody>
+      </p:sp>
+    </p:spTree>
+    <p:extLst>
+      <p:ext uri="{BB962C8B-B14F-4D97-AF65-F5344CB8AC3E}">
+        <p14:creationId xmlns:p14="http://schemas.microsoft.com/office/powerpoint/2010/main" val="3920133037"/>
       </p:ext>
     </p:extLst>
   </p:cSld>
@@ -5468,385 +5549,6 @@
             <a:pPr marL="0" indent="0">
               <a:buNone/>
             </a:pPr>
-            <a:r>
-              <a:rPr lang="en-US" sz="1200" b="0" i="0" kern="1200" dirty="0">
-                <a:solidFill>
-                  <a:schemeClr val="tx1"/>
-                </a:solidFill>
-                <a:effectLst/>
-                <a:latin typeface="+mn-lt"/>
-                <a:ea typeface="+mn-ea"/>
-                <a:cs typeface="+mn-cs"/>
-              </a:rPr>
-              <a:t>Used Twitter with the following goals:</a:t>
-            </a:r>
-          </a:p>
-          <a:p>
-            <a:pPr marL="228600" indent="-228600">
-              <a:buAutoNum type="arabicParenBoth"/>
-            </a:pPr>
-            <a:endParaRPr lang="en-US" sz="1200" b="0" i="0" kern="1200" dirty="0">
-              <a:solidFill>
-                <a:schemeClr val="tx1"/>
-              </a:solidFill>
-              <a:effectLst/>
-              <a:latin typeface="+mn-lt"/>
-              <a:ea typeface="+mn-ea"/>
-              <a:cs typeface="+mn-cs"/>
-            </a:endParaRPr>
-          </a:p>
-          <a:p>
-            <a:pPr marL="228600" indent="-228600">
-              <a:buAutoNum type="arabicParenBoth"/>
-            </a:pPr>
-            <a:r>
-              <a:rPr lang="en-US" sz="1200" b="0" i="0" kern="1200" dirty="0">
-                <a:solidFill>
-                  <a:schemeClr val="tx1"/>
-                </a:solidFill>
-                <a:effectLst/>
-                <a:latin typeface="+mn-lt"/>
-                <a:ea typeface="+mn-ea"/>
-                <a:cs typeface="+mn-cs"/>
-              </a:rPr>
-              <a:t>articulate how academic writing is a form of participation within a larger discourse – “academic writing is a means of responding to previous researchers”</a:t>
-            </a:r>
-          </a:p>
-          <a:p>
-            <a:pPr marL="228600" indent="-228600">
-              <a:buAutoNum type="arabicParenBoth"/>
-            </a:pPr>
-            <a:r>
-              <a:rPr lang="en-US" sz="1200" b="0" i="0" kern="1200" dirty="0">
-                <a:solidFill>
-                  <a:schemeClr val="tx1"/>
-                </a:solidFill>
-                <a:effectLst/>
-                <a:latin typeface="+mn-lt"/>
-                <a:ea typeface="+mn-ea"/>
-                <a:cs typeface="+mn-cs"/>
-              </a:rPr>
-              <a:t>describe why citations and attribution are important within scholarly communication – “importance of citations was to give credit to the original author and/or strengthen an argument’s cogency, rather than focusing on personal consequences”</a:t>
-            </a:r>
-          </a:p>
-          <a:p>
-            <a:endParaRPr lang="en-US" sz="1200" b="0" i="0" kern="1200" dirty="0">
-              <a:solidFill>
-                <a:schemeClr val="tx1"/>
-              </a:solidFill>
-              <a:effectLst/>
-              <a:latin typeface="+mn-lt"/>
-              <a:ea typeface="+mn-ea"/>
-              <a:cs typeface="+mn-cs"/>
-            </a:endParaRPr>
-          </a:p>
-          <a:p>
-            <a:endParaRPr lang="en-US" sz="1200" b="0" i="0" kern="1200" dirty="0">
-              <a:solidFill>
-                <a:schemeClr val="tx1"/>
-              </a:solidFill>
-              <a:effectLst/>
-              <a:latin typeface="+mn-lt"/>
-              <a:ea typeface="+mn-ea"/>
-              <a:cs typeface="+mn-cs"/>
-            </a:endParaRPr>
-          </a:p>
-          <a:p>
-            <a:endParaRPr lang="en-US" sz="1200" b="0" i="0" kern="1200" dirty="0">
-              <a:solidFill>
-                <a:schemeClr val="tx1"/>
-              </a:solidFill>
-              <a:effectLst/>
-              <a:latin typeface="+mn-lt"/>
-              <a:ea typeface="+mn-ea"/>
-              <a:cs typeface="+mn-cs"/>
-            </a:endParaRPr>
-          </a:p>
-          <a:p>
-            <a:r>
-              <a:rPr lang="en-US" sz="1200" b="0" i="0" kern="1200" dirty="0">
-                <a:solidFill>
-                  <a:schemeClr val="tx1"/>
-                </a:solidFill>
-                <a:effectLst/>
-                <a:latin typeface="+mn-lt"/>
-                <a:ea typeface="+mn-ea"/>
-                <a:cs typeface="+mn-cs"/>
-              </a:rPr>
-              <a:t>*****************************</a:t>
-            </a:r>
-          </a:p>
-          <a:p>
-            <a:endParaRPr lang="en-US" sz="1200" b="0" i="0" kern="1200" dirty="0">
-              <a:solidFill>
-                <a:schemeClr val="tx1"/>
-              </a:solidFill>
-              <a:effectLst/>
-              <a:latin typeface="+mn-lt"/>
-              <a:ea typeface="+mn-ea"/>
-              <a:cs typeface="+mn-cs"/>
-            </a:endParaRPr>
-          </a:p>
-          <a:p>
-            <a:r>
-              <a:rPr lang="en-US" sz="1200" b="0" i="0" kern="1200" dirty="0">
-                <a:solidFill>
-                  <a:schemeClr val="tx1"/>
-                </a:solidFill>
-                <a:effectLst/>
-                <a:latin typeface="+mn-lt"/>
-                <a:ea typeface="+mn-ea"/>
-                <a:cs typeface="+mn-cs"/>
-              </a:rPr>
-              <a:t>Today’s information landscape challenges many long-held assumptions. Take the issue of plagiarism. In a 2015 journal article, two University of Maryland librarians described the challenges they faced teaching freshmen about citing sources, plagiarism, and academic integrity. The students were skeptical. The lesson did not correspond to their experiences on social media, where information is routinely recycled, repackaged, and repurposed.</a:t>
-            </a:r>
-          </a:p>
-          <a:p>
-            <a:endParaRPr lang="en-US" sz="1200" b="0" i="0" kern="1200" dirty="0">
-              <a:solidFill>
-                <a:schemeClr val="tx1"/>
-              </a:solidFill>
-              <a:effectLst/>
-              <a:latin typeface="+mn-lt"/>
-              <a:ea typeface="+mn-ea"/>
-              <a:cs typeface="+mn-cs"/>
-            </a:endParaRPr>
-          </a:p>
-          <a:p>
-            <a:r>
-              <a:rPr lang="en-US" sz="1200" b="0" i="0" kern="1200" dirty="0">
-                <a:solidFill>
-                  <a:schemeClr val="tx1"/>
-                </a:solidFill>
-                <a:effectLst/>
-                <a:latin typeface="+mn-lt"/>
-                <a:ea typeface="+mn-ea"/>
-                <a:cs typeface="+mn-cs"/>
-              </a:rPr>
-              <a:t>So the librarians used Twitter to demonstrate their point, citing the case of a user who plagiarized comedians’ tweets, changing the wording slightly to avoid detection by search engines. This time the students understood the harm being done.</a:t>
-            </a:r>
-          </a:p>
-          <a:p>
-            <a:endParaRPr lang="en-US" sz="1200" b="0" i="0" kern="1200" dirty="0">
-              <a:solidFill>
-                <a:schemeClr val="tx1"/>
-              </a:solidFill>
-              <a:effectLst/>
-              <a:latin typeface="+mn-lt"/>
-              <a:ea typeface="+mn-ea"/>
-              <a:cs typeface="+mn-cs"/>
-            </a:endParaRPr>
-          </a:p>
-          <a:p>
-            <a:r>
-              <a:rPr lang="en-US" sz="1200" b="0" i="0" kern="1200" dirty="0">
-                <a:solidFill>
-                  <a:schemeClr val="tx1"/>
-                </a:solidFill>
-                <a:effectLst/>
-                <a:latin typeface="+mn-lt"/>
-                <a:ea typeface="+mn-ea"/>
-                <a:cs typeface="+mn-cs"/>
-              </a:rPr>
-              <a:t>Illustrating the ongoing complexity of these issues, however, students then asked about using the same material on different media platforms. They wondered if there was such a thing as “self-plagiarism.”</a:t>
-            </a:r>
-          </a:p>
-          <a:p>
-            <a:endParaRPr lang="en-US" sz="1200" b="0" i="0" kern="1200" dirty="0">
-              <a:solidFill>
-                <a:schemeClr val="tx1"/>
-              </a:solidFill>
-              <a:effectLst/>
-              <a:latin typeface="+mn-lt"/>
-              <a:ea typeface="+mn-ea"/>
-              <a:cs typeface="+mn-cs"/>
-            </a:endParaRPr>
-          </a:p>
-          <a:p>
-            <a:pPr marL="0" marR="0" indent="0" algn="l" defTabSz="914400" rtl="0" eaLnBrk="1" fontAlgn="auto" latinLnBrk="0" hangingPunct="1">
-              <a:lnSpc>
-                <a:spcPct val="100000"/>
-              </a:lnSpc>
-              <a:spcBef>
-                <a:spcPts val="0"/>
-              </a:spcBef>
-              <a:spcAft>
-                <a:spcPts val="0"/>
-              </a:spcAft>
-              <a:buClrTx/>
-              <a:buSzTx/>
-              <a:buFontTx/>
-              <a:buNone/>
-              <a:tabLst/>
-              <a:defRPr/>
-            </a:pPr>
-            <a:r>
-              <a:rPr lang="en-US" dirty="0"/>
-              <a:t>The kind of discussion that led to the students’ awareness of these issues is an important principle of information literacy. It’s not a passive approach or a checklist. It’s a dynamic process that occurs through conversation and discourse. Acknowledging this, the librarians called their article “Scholarship is a Conversation.”</a:t>
-            </a:r>
-          </a:p>
-          <a:p>
-            <a:pPr marL="0" marR="0" indent="0" algn="l" defTabSz="914400" rtl="0" eaLnBrk="1" fontAlgn="auto" latinLnBrk="0" hangingPunct="1">
-              <a:lnSpc>
-                <a:spcPct val="100000"/>
-              </a:lnSpc>
-              <a:spcBef>
-                <a:spcPts val="0"/>
-              </a:spcBef>
-              <a:spcAft>
-                <a:spcPts val="0"/>
-              </a:spcAft>
-              <a:buClrTx/>
-              <a:buSzTx/>
-              <a:buFontTx/>
-              <a:buNone/>
-              <a:tabLst/>
-              <a:defRPr/>
-            </a:pPr>
-            <a:endParaRPr lang="en-US" dirty="0"/>
-          </a:p>
-          <a:p>
-            <a:pPr marL="0" marR="0" indent="0" algn="l" defTabSz="914400" rtl="0" eaLnBrk="1" fontAlgn="auto" latinLnBrk="0" hangingPunct="1">
-              <a:lnSpc>
-                <a:spcPct val="100000"/>
-              </a:lnSpc>
-              <a:spcBef>
-                <a:spcPts val="0"/>
-              </a:spcBef>
-              <a:spcAft>
-                <a:spcPts val="0"/>
-              </a:spcAft>
-              <a:buClrTx/>
-              <a:buSzTx/>
-              <a:buFontTx/>
-              <a:buNone/>
-              <a:tabLst/>
-              <a:defRPr/>
-            </a:pPr>
-            <a:endParaRPr lang="en-US" dirty="0"/>
-          </a:p>
-          <a:p>
-            <a:pPr marL="0" marR="0" indent="0" algn="l" defTabSz="914400" rtl="0" eaLnBrk="1" fontAlgn="auto" latinLnBrk="0" hangingPunct="1">
-              <a:lnSpc>
-                <a:spcPct val="100000"/>
-              </a:lnSpc>
-              <a:spcBef>
-                <a:spcPts val="0"/>
-              </a:spcBef>
-              <a:spcAft>
-                <a:spcPts val="0"/>
-              </a:spcAft>
-              <a:buClrTx/>
-              <a:buSzTx/>
-              <a:buFontTx/>
-              <a:buNone/>
-              <a:tabLst/>
-              <a:defRPr/>
-            </a:pPr>
-            <a:endParaRPr lang="en-US" dirty="0"/>
-          </a:p>
-          <a:p>
-            <a:pPr marL="0" marR="0" indent="0" algn="l" defTabSz="914400" rtl="0" eaLnBrk="1" fontAlgn="auto" latinLnBrk="0" hangingPunct="1">
-              <a:lnSpc>
-                <a:spcPct val="100000"/>
-              </a:lnSpc>
-              <a:spcBef>
-                <a:spcPts val="0"/>
-              </a:spcBef>
-              <a:spcAft>
-                <a:spcPts val="0"/>
-              </a:spcAft>
-              <a:buClrTx/>
-              <a:buSzTx/>
-              <a:buFontTx/>
-              <a:buNone/>
-              <a:tabLst/>
-              <a:defRPr/>
-            </a:pPr>
-            <a:r>
-              <a:rPr lang="en-US" sz="1200" b="0" i="0" kern="1200" dirty="0">
-                <a:solidFill>
-                  <a:schemeClr val="tx1"/>
-                </a:solidFill>
-                <a:effectLst/>
-                <a:latin typeface="+mn-lt"/>
-                <a:ea typeface="+mn-ea"/>
-                <a:cs typeface="+mn-cs"/>
-              </a:rPr>
-              <a:t>To address these deficiencies, Texas A&amp;M University introduced a credit bearing, semester long course titled </a:t>
-            </a:r>
-            <a:r>
-              <a:rPr lang="en-US" sz="1200" b="0" i="1" kern="1200" dirty="0">
-                <a:solidFill>
-                  <a:schemeClr val="tx1"/>
-                </a:solidFill>
-                <a:effectLst/>
-                <a:latin typeface="+mn-lt"/>
-                <a:ea typeface="+mn-ea"/>
-                <a:cs typeface="+mn-cs"/>
-              </a:rPr>
-              <a:t>Theft of the Mind</a:t>
-            </a:r>
-            <a:r>
-              <a:rPr lang="en-US" sz="1200" b="0" i="0" kern="1200" dirty="0">
-                <a:solidFill>
-                  <a:schemeClr val="tx1"/>
-                </a:solidFill>
-                <a:effectLst/>
-                <a:latin typeface="+mn-lt"/>
-                <a:ea typeface="+mn-ea"/>
-                <a:cs typeface="+mn-cs"/>
-              </a:rPr>
-              <a:t> that utilized case studies based in popular culture to demonstrate to students that “plagiarism and piracy…are but endpoints on a continuum between source use and misuse” (Clement &amp; </a:t>
-            </a:r>
-            <a:r>
-              <a:rPr lang="en-US" sz="1200" b="0" i="0" kern="1200" dirty="0" err="1">
-                <a:solidFill>
-                  <a:schemeClr val="tx1"/>
-                </a:solidFill>
-                <a:effectLst/>
-                <a:latin typeface="+mn-lt"/>
-                <a:ea typeface="+mn-ea"/>
-                <a:cs typeface="+mn-cs"/>
-              </a:rPr>
-              <a:t>Brenenson</a:t>
-            </a:r>
-            <a:r>
-              <a:rPr lang="en-US" sz="1200" b="0" i="0" kern="1200" dirty="0">
-                <a:solidFill>
-                  <a:schemeClr val="tx1"/>
-                </a:solidFill>
-                <a:effectLst/>
-                <a:latin typeface="+mn-lt"/>
-                <a:ea typeface="+mn-ea"/>
-                <a:cs typeface="+mn-cs"/>
-              </a:rPr>
-              <a:t>, 2013, p. 56). Central to the ethos of this course is the idea that “theft of the mind” hurts a community of practice at large as much as it does the individual content creator, whether this community is scholars within the academy or creative performers in popular culture (Clement &amp; </a:t>
-            </a:r>
-            <a:r>
-              <a:rPr lang="en-US" sz="1200" b="0" i="0" kern="1200" dirty="0" err="1">
-                <a:solidFill>
-                  <a:schemeClr val="tx1"/>
-                </a:solidFill>
-                <a:effectLst/>
-                <a:latin typeface="+mn-lt"/>
-                <a:ea typeface="+mn-ea"/>
-                <a:cs typeface="+mn-cs"/>
-              </a:rPr>
-              <a:t>Brenenson</a:t>
-            </a:r>
-            <a:r>
-              <a:rPr lang="en-US" sz="1200" b="0" i="0" kern="1200" dirty="0">
-                <a:solidFill>
-                  <a:schemeClr val="tx1"/>
-                </a:solidFill>
-                <a:effectLst/>
-                <a:latin typeface="+mn-lt"/>
-                <a:ea typeface="+mn-ea"/>
-                <a:cs typeface="+mn-cs"/>
-              </a:rPr>
-              <a:t>, 2013, p. 57). This is an important value to imprint upon students that can be obscured in a compliance oriented lesson. Explaining that scholars depend on citation of their work for their livelihood provides students with a more forthright and holistic explanation as to why plagiarism carries such dire consequences within the academy. The success of this course at Texas A&amp;M suggests that students respond well to the topic of scholarly attribution and plagiarism when instruction is placed within a framework that resonates with familiar life experiences.</a:t>
-            </a:r>
             <a:endParaRPr lang="en-US" dirty="0"/>
           </a:p>
         </p:txBody>
@@ -6102,30 +5804,7 @@
           <a:bodyPr/>
           <a:lstStyle/>
           <a:p>
-            <a:r>
-              <a:rPr lang="en-US" dirty="0"/>
-              <a:t>Studies technology’s impact on people and their relationships</a:t>
-            </a:r>
-          </a:p>
-          <a:p>
-            <a:r>
-              <a:rPr lang="en-US" dirty="0"/>
-              <a:t>Says her students</a:t>
-            </a:r>
-          </a:p>
-          <a:p>
-            <a:pPr lvl="1"/>
-            <a:r>
-              <a:rPr lang="en-US" dirty="0"/>
-              <a:t>Believes the media supports a view of the world as a series of emergencies – an unending series of catastrophes it covers as “disasters that need disaster relief”</a:t>
-            </a:r>
-          </a:p>
-          <a:p>
-            <a:pPr lvl="1"/>
-            <a:r>
-              <a:rPr lang="en-US" dirty="0"/>
-              <a:t>Find it difficult to place information in context or understand underlying causes, let alone feel empowered to seek solutions</a:t>
-            </a:r>
+            <a:endParaRPr lang="en-US" dirty="0"/>
           </a:p>
         </p:txBody>
       </p:sp>
@@ -6312,7 +5991,7 @@
           <a:p>
             <a:fld id="{BE459301-976F-0B4B-AD2E-EDC9CA10DC46}" type="datetime1">
               <a:rPr lang="en-US" smtClean="0"/>
-              <a:t>9/30/20</a:t>
+              <a:t>10/1/20</a:t>
             </a:fld>
             <a:endParaRPr lang="en-US"/>
           </a:p>
@@ -6510,7 +6189,7 @@
           <a:p>
             <a:fld id="{07DEBC74-5011-D248-A1FD-3F29F9DF62AF}" type="datetime1">
               <a:rPr lang="en-US" smtClean="0"/>
-              <a:t>9/30/20</a:t>
+              <a:t>10/1/20</a:t>
             </a:fld>
             <a:endParaRPr lang="en-US"/>
           </a:p>
@@ -6718,7 +6397,7 @@
           <a:p>
             <a:fld id="{A325B5BD-493A-9849-9301-9E431AC83CEC}" type="datetime1">
               <a:rPr lang="en-US" smtClean="0"/>
-              <a:t>9/30/20</a:t>
+              <a:t>10/1/20</a:t>
             </a:fld>
             <a:endParaRPr lang="en-US"/>
           </a:p>
@@ -6916,7 +6595,7 @@
           <a:p>
             <a:fld id="{CE8662D8-47FE-3C47-8786-ED8D2269F174}" type="datetime1">
               <a:rPr lang="en-US" smtClean="0"/>
-              <a:t>9/30/20</a:t>
+              <a:t>10/1/20</a:t>
             </a:fld>
             <a:endParaRPr lang="en-US"/>
           </a:p>
@@ -7191,7 +6870,7 @@
           <a:p>
             <a:fld id="{A4BD5358-F706-C04F-8D47-C486A9120C09}" type="datetime1">
               <a:rPr lang="en-US" smtClean="0"/>
-              <a:t>9/30/20</a:t>
+              <a:t>10/1/20</a:t>
             </a:fld>
             <a:endParaRPr lang="en-US"/>
           </a:p>
@@ -7456,7 +7135,7 @@
           <a:p>
             <a:fld id="{EEDFAFFD-5B62-A54B-BADA-3C2CB566170D}" type="datetime1">
               <a:rPr lang="en-US" smtClean="0"/>
-              <a:t>9/30/20</a:t>
+              <a:t>10/1/20</a:t>
             </a:fld>
             <a:endParaRPr lang="en-US"/>
           </a:p>
@@ -7868,7 +7547,7 @@
           <a:p>
             <a:fld id="{F82AAF64-19E1-1A4D-A4EA-3B6814C5F681}" type="datetime1">
               <a:rPr lang="en-US" smtClean="0"/>
-              <a:t>9/30/20</a:t>
+              <a:t>10/1/20</a:t>
             </a:fld>
             <a:endParaRPr lang="en-US"/>
           </a:p>
@@ -8009,7 +7688,7 @@
           <a:p>
             <a:fld id="{D83684E4-27D5-174C-B42E-67906C0024C5}" type="datetime1">
               <a:rPr lang="en-US" smtClean="0"/>
-              <a:t>9/30/20</a:t>
+              <a:t>10/1/20</a:t>
             </a:fld>
             <a:endParaRPr lang="en-US"/>
           </a:p>
@@ -8122,7 +7801,7 @@
           <a:p>
             <a:fld id="{B3005628-E4DB-B345-9496-61BE48F7F7D3}" type="datetime1">
               <a:rPr lang="en-US" smtClean="0"/>
-              <a:t>9/30/20</a:t>
+              <a:t>10/1/20</a:t>
             </a:fld>
             <a:endParaRPr lang="en-US"/>
           </a:p>
@@ -8433,7 +8112,7 @@
           <a:p>
             <a:fld id="{666DE8FB-A5D0-5844-B4F4-C98C0B73F2F7}" type="datetime1">
               <a:rPr lang="en-US" smtClean="0"/>
-              <a:t>9/30/20</a:t>
+              <a:t>10/1/20</a:t>
             </a:fld>
             <a:endParaRPr lang="en-US"/>
           </a:p>
@@ -8721,7 +8400,7 @@
           <a:p>
             <a:fld id="{15F80648-D1F1-9542-A7A3-ADBC043EF2B7}" type="datetime1">
               <a:rPr lang="en-US" smtClean="0"/>
-              <a:t>9/30/20</a:t>
+              <a:t>10/1/20</a:t>
             </a:fld>
             <a:endParaRPr lang="en-US"/>
           </a:p>
@@ -8962,7 +8641,7 @@
           <a:p>
             <a:fld id="{8F13375C-18EC-6F45-B838-211E7AEA3F5E}" type="datetime1">
               <a:rPr lang="en-US" smtClean="0"/>
-              <a:t>9/30/20</a:t>
+              <a:t>10/1/20</a:t>
             </a:fld>
             <a:endParaRPr lang="en-US"/>
           </a:p>
